--- a/G2M insight for Cab Investment firm.pptx
+++ b/G2M insight for Cab Investment firm.pptx
@@ -256,7 +256,7 @@
           <a:p>
             <a:fld id="{C764DE79-268F-4C1A-8933-263129D2AF90}" type="datetimeFigureOut">
               <a:rPr lang="en-US" dirty="0"/>
-              <a:t>3/10/2021</a:t>
+              <a:t>3/13/2021</a:t>
             </a:fld>
             <a:endParaRPr lang="en-US"/>
           </a:p>
@@ -424,7 +424,7 @@
           <a:p>
             <a:fld id="{C764DE79-268F-4C1A-8933-263129D2AF90}" type="datetimeFigureOut">
               <a:rPr lang="en-US" dirty="0"/>
-              <a:t>3/10/2021</a:t>
+              <a:t>3/13/2021</a:t>
             </a:fld>
             <a:endParaRPr lang="en-US"/>
           </a:p>
@@ -602,7 +602,7 @@
           <a:p>
             <a:fld id="{C764DE79-268F-4C1A-8933-263129D2AF90}" type="datetimeFigureOut">
               <a:rPr lang="en-US" dirty="0"/>
-              <a:t>3/10/2021</a:t>
+              <a:t>3/13/2021</a:t>
             </a:fld>
             <a:endParaRPr lang="en-US"/>
           </a:p>
@@ -770,7 +770,7 @@
           <a:p>
             <a:fld id="{C764DE79-268F-4C1A-8933-263129D2AF90}" type="datetimeFigureOut">
               <a:rPr lang="en-US" dirty="0"/>
-              <a:t>3/10/2021</a:t>
+              <a:t>3/13/2021</a:t>
             </a:fld>
             <a:endParaRPr lang="en-US"/>
           </a:p>
@@ -1015,7 +1015,7 @@
           <a:p>
             <a:fld id="{C764DE79-268F-4C1A-8933-263129D2AF90}" type="datetimeFigureOut">
               <a:rPr lang="en-US" dirty="0"/>
-              <a:t>3/10/2021</a:t>
+              <a:t>3/13/2021</a:t>
             </a:fld>
             <a:endParaRPr lang="en-US"/>
           </a:p>
@@ -1244,7 +1244,7 @@
           <a:p>
             <a:fld id="{C764DE79-268F-4C1A-8933-263129D2AF90}" type="datetimeFigureOut">
               <a:rPr lang="en-US" dirty="0"/>
-              <a:t>3/10/2021</a:t>
+              <a:t>3/13/2021</a:t>
             </a:fld>
             <a:endParaRPr lang="en-US"/>
           </a:p>
@@ -1608,7 +1608,7 @@
           <a:p>
             <a:fld id="{C764DE79-268F-4C1A-8933-263129D2AF90}" type="datetimeFigureOut">
               <a:rPr lang="en-US" dirty="0"/>
-              <a:t>3/10/2021</a:t>
+              <a:t>3/13/2021</a:t>
             </a:fld>
             <a:endParaRPr lang="en-US"/>
           </a:p>
@@ -1725,7 +1725,7 @@
           <a:p>
             <a:fld id="{C764DE79-268F-4C1A-8933-263129D2AF90}" type="datetimeFigureOut">
               <a:rPr lang="en-US" dirty="0"/>
-              <a:t>3/10/2021</a:t>
+              <a:t>3/13/2021</a:t>
             </a:fld>
             <a:endParaRPr lang="en-US"/>
           </a:p>
@@ -1820,7 +1820,7 @@
           <a:p>
             <a:fld id="{C764DE79-268F-4C1A-8933-263129D2AF90}" type="datetimeFigureOut">
               <a:rPr lang="en-US" dirty="0"/>
-              <a:t>3/10/2021</a:t>
+              <a:t>3/13/2021</a:t>
             </a:fld>
             <a:endParaRPr lang="en-US"/>
           </a:p>
@@ -2095,7 +2095,7 @@
           <a:p>
             <a:fld id="{C764DE79-268F-4C1A-8933-263129D2AF90}" type="datetimeFigureOut">
               <a:rPr lang="en-US" dirty="0"/>
-              <a:t>3/10/2021</a:t>
+              <a:t>3/13/2021</a:t>
             </a:fld>
             <a:endParaRPr lang="en-US"/>
           </a:p>
@@ -2350,7 +2350,7 @@
           <a:p>
             <a:fld id="{C764DE79-268F-4C1A-8933-263129D2AF90}" type="datetimeFigureOut">
               <a:rPr lang="en-US" dirty="0"/>
-              <a:t>3/10/2021</a:t>
+              <a:t>3/13/2021</a:t>
             </a:fld>
             <a:endParaRPr lang="en-US"/>
           </a:p>
@@ -2561,7 +2561,7 @@
           <a:p>
             <a:fld id="{C764DE79-268F-4C1A-8933-263129D2AF90}" type="datetimeFigureOut">
               <a:rPr lang="en-US" dirty="0"/>
-              <a:t>3/10/2021</a:t>
+              <a:t>3/13/2021</a:t>
             </a:fld>
             <a:endParaRPr lang="en-US"/>
           </a:p>
@@ -3024,8 +3024,8 @@
         </p:nvSpPr>
         <p:spPr>
           <a:xfrm>
-            <a:off x="870857" y="2380343"/>
-            <a:ext cx="9277476" cy="2308324"/>
+            <a:off x="7281084" y="3502133"/>
+            <a:ext cx="184731" cy="830997"/>
           </a:xfrm>
           <a:prstGeom prst="rect">
             <a:avLst/>
@@ -3040,6 +3040,44 @@
           </a:bodyPr>
           <a:lstStyle/>
           <a:p>
+            <a:endParaRPr lang="en-US" sz="4800" dirty="0">
+              <a:solidFill>
+                <a:srgbClr val="FF6600"/>
+              </a:solidFill>
+            </a:endParaRPr>
+          </a:p>
+        </p:txBody>
+      </p:sp>
+      <p:sp>
+        <p:nvSpPr>
+          <p:cNvPr id="9" name="TextBox 8">
+            <a:extLst>
+              <a:ext uri="{FF2B5EF4-FFF2-40B4-BE49-F238E27FC236}">
+                <a16:creationId xmlns:a16="http://schemas.microsoft.com/office/drawing/2014/main" id="{D41B341C-47A0-48F1-85E0-0E3BA153FA9A}"/>
+              </a:ext>
+            </a:extLst>
+          </p:cNvPr>
+          <p:cNvSpPr txBox="1"/>
+          <p:nvPr/>
+        </p:nvSpPr>
+        <p:spPr>
+          <a:xfrm>
+            <a:off x="870857" y="2380343"/>
+            <a:ext cx="9277476" cy="2985433"/>
+          </a:xfrm>
+          <a:prstGeom prst="rect">
+            <a:avLst/>
+          </a:prstGeom>
+          <a:solidFill>
+            <a:srgbClr val="3B3B3B"/>
+          </a:solidFill>
+        </p:spPr>
+        <p:txBody>
+          <a:bodyPr wrap="none" rtlCol="0">
+            <a:spAutoFit/>
+          </a:bodyPr>
+          <a:lstStyle/>
+          <a:p>
             <a:r>
               <a:rPr lang="en-US" sz="4800" dirty="0">
                 <a:solidFill>
@@ -3050,18 +3088,25 @@
             </a:r>
           </a:p>
           <a:p>
-            <a:r>
-              <a:rPr lang="en-US" sz="4000" dirty="0">
+            <a:endParaRPr lang="en-US" sz="2800" b="1">
+              <a:solidFill>
+                <a:schemeClr val="bg1">
+                  <a:lumMod val="85000"/>
+                </a:schemeClr>
+              </a:solidFill>
+            </a:endParaRPr>
+          </a:p>
+          <a:p>
+            <a:r>
+              <a:rPr lang="en-US" sz="2800" b="1">
                 <a:solidFill>
                   <a:schemeClr val="bg1">
                     <a:lumMod val="85000"/>
                   </a:schemeClr>
                 </a:solidFill>
               </a:rPr>
-              <a:t>LICAN01</a:t>
-            </a:r>
-          </a:p>
-          <a:p>
+              <a:t>Name </a:t>
+            </a:r>
             <a:r>
               <a:rPr lang="en-US" sz="2800" b="1" dirty="0">
                 <a:solidFill>
@@ -3070,7 +3115,7 @@
                   </a:schemeClr>
                 </a:solidFill>
               </a:rPr>
-              <a:t>March 2021</a:t>
+              <a:t>: Niyusha Baghayi</a:t>
             </a:r>
           </a:p>
           <a:p>
@@ -3082,7 +3127,31 @@
                   </a:schemeClr>
                 </a:solidFill>
               </a:rPr>
-              <a:t>Performed by: Niyusha Baghayi</a:t>
+              <a:t>Location: Iran</a:t>
+            </a:r>
+          </a:p>
+          <a:p>
+            <a:r>
+              <a:rPr lang="en-US" sz="2800" b="1" dirty="0">
+                <a:solidFill>
+                  <a:schemeClr val="bg1">
+                    <a:lumMod val="85000"/>
+                  </a:schemeClr>
+                </a:solidFill>
+              </a:rPr>
+              <a:t>Team: Data and Analytics</a:t>
+            </a:r>
+          </a:p>
+          <a:p>
+            <a:r>
+              <a:rPr lang="en-US" sz="2800" b="1" dirty="0">
+                <a:solidFill>
+                  <a:schemeClr val="bg1">
+                    <a:lumMod val="85000"/>
+                  </a:schemeClr>
+                </a:solidFill>
+              </a:rPr>
+              <a:t>Date: 11-March-2021</a:t>
             </a:r>
           </a:p>
         </p:txBody>
@@ -3230,7 +3299,7 @@
         </p:spPr>
         <p:txBody>
           <a:bodyPr vert="horz" lIns="91440" tIns="45720" rIns="91440" bIns="45720" rtlCol="0" anchor="ctr">
-            <a:normAutofit fontScale="40000" lnSpcReduction="20000"/>
+            <a:normAutofit fontScale="85000" lnSpcReduction="20000"/>
           </a:bodyPr>
           <a:lstStyle>
             <a:lvl1pPr marL="0" indent="0" algn="l" defTabSz="914400" rtl="0" eaLnBrk="1" latinLnBrk="0" hangingPunct="1">
@@ -3397,77 +3466,72 @@
             </a:lvl9pPr>
           </a:lstStyle>
           <a:p>
-            <a:pPr algn="l"/>
-            <a:r>
-              <a:rPr lang="en-US" sz="2900" b="1" i="0" dirty="0">
-                <a:solidFill>
-                  <a:srgbClr val="000000"/>
-                </a:solidFill>
-                <a:effectLst/>
-                <a:latin typeface="Helvetica Neue"/>
-              </a:rPr>
-              <a:t>Conclusion:</a:t>
-            </a:r>
-          </a:p>
-          <a:p>
-            <a:pPr algn="l">
+            <a:pPr>
+              <a:lnSpc>
+                <a:spcPct val="110000"/>
+              </a:lnSpc>
               <a:buFont typeface="Arial" panose="020B0604020202020204" pitchFamily="34" charset="0"/>
               <a:buChar char="•"/>
             </a:pPr>
             <a:r>
-              <a:rPr lang="en-US" sz="2300" i="0" dirty="0">
+              <a:rPr lang="en-US" sz="1200" dirty="0">
                 <a:solidFill>
                   <a:srgbClr val="000000"/>
                 </a:solidFill>
-                <a:effectLst/>
                 <a:latin typeface="Helvetica Neue"/>
               </a:rPr>
               <a:t>Both companies almost follow the same pattern for count of trips by Days of Week</a:t>
             </a:r>
           </a:p>
           <a:p>
-            <a:pPr algn="l">
+            <a:pPr>
+              <a:lnSpc>
+                <a:spcPct val="110000"/>
+              </a:lnSpc>
               <a:buFont typeface="Arial" panose="020B0604020202020204" pitchFamily="34" charset="0"/>
               <a:buChar char="•"/>
             </a:pPr>
             <a:r>
-              <a:rPr lang="en-US" sz="2300" i="0" dirty="0">
+              <a:rPr lang="en-US" sz="1200" dirty="0">
                 <a:solidFill>
                   <a:srgbClr val="000000"/>
                 </a:solidFill>
-                <a:effectLst/>
                 <a:latin typeface="Helvetica Neue"/>
               </a:rPr>
               <a:t>Yellow Cab is more popular than Pink Cab every day!</a:t>
             </a:r>
           </a:p>
           <a:p>
-            <a:pPr algn="l">
+            <a:pPr>
+              <a:lnSpc>
+                <a:spcPct val="110000"/>
+              </a:lnSpc>
               <a:buFont typeface="Arial" panose="020B0604020202020204" pitchFamily="34" charset="0"/>
               <a:buChar char="•"/>
             </a:pPr>
             <a:r>
-              <a:rPr lang="en-US" sz="2300" i="0" dirty="0">
+              <a:rPr lang="en-US" sz="1200" dirty="0">
                 <a:solidFill>
                   <a:srgbClr val="000000"/>
                 </a:solidFill>
-                <a:effectLst/>
                 <a:latin typeface="Helvetica Neue"/>
               </a:rPr>
               <a:t>The margin between two companies is noticeable</a:t>
             </a:r>
           </a:p>
           <a:p>
-            <a:pPr algn="l">
+            <a:pPr>
+              <a:lnSpc>
+                <a:spcPct val="110000"/>
+              </a:lnSpc>
               <a:buFont typeface="Arial" panose="020B0604020202020204" pitchFamily="34" charset="0"/>
               <a:buChar char="•"/>
             </a:pPr>
             <a:r>
-              <a:rPr lang="en-US" sz="2300" i="0" dirty="0">
+              <a:rPr lang="en-US" sz="1200" dirty="0">
                 <a:solidFill>
                   <a:srgbClr val="000000"/>
                 </a:solidFill>
-                <a:effectLst/>
                 <a:latin typeface="Helvetica Neue"/>
               </a:rPr>
               <a:t>Both companies has the most count of trips on Friday</a:t>
@@ -3737,61 +3801,45 @@
             </a:lvl9pPr>
           </a:lstStyle>
           <a:p>
-            <a:pPr algn="l"/>
-            <a:r>
-              <a:rPr lang="en-US" sz="1300" b="1" i="0" dirty="0">
-                <a:solidFill>
-                  <a:srgbClr val="000000"/>
-                </a:solidFill>
-                <a:effectLst/>
-                <a:latin typeface="Helvetica Neue"/>
-              </a:rPr>
-              <a:t>Conclusion:</a:t>
-            </a:r>
-          </a:p>
-          <a:p>
-            <a:pPr algn="l">
+            <a:pPr>
               <a:buFont typeface="Arial" panose="020B0604020202020204" pitchFamily="34" charset="0"/>
               <a:buChar char="•"/>
             </a:pPr>
             <a:r>
-              <a:rPr lang="en-US" sz="1100" i="0" dirty="0">
+              <a:rPr lang="en-US" sz="1200" dirty="0">
                 <a:solidFill>
                   <a:srgbClr val="000000"/>
                 </a:solidFill>
-                <a:effectLst/>
                 <a:latin typeface="Helvetica Neue"/>
               </a:rPr>
               <a:t>Both companies has the most count of trips after Friday on Saturday</a:t>
             </a:r>
           </a:p>
           <a:p>
-            <a:pPr algn="l">
+            <a:pPr>
               <a:buFont typeface="Arial" panose="020B0604020202020204" pitchFamily="34" charset="0"/>
               <a:buChar char="•"/>
             </a:pPr>
             <a:r>
-              <a:rPr lang="en-US" sz="1100" i="0" dirty="0">
+              <a:rPr lang="en-US" sz="1200" dirty="0">
                 <a:solidFill>
                   <a:srgbClr val="000000"/>
                 </a:solidFill>
-                <a:effectLst/>
                 <a:latin typeface="Helvetica Neue"/>
               </a:rPr>
               <a:t>Yellow Cab experienced sharpen changes than Pink Cab</a:t>
             </a:r>
           </a:p>
           <a:p>
-            <a:pPr algn="l">
+            <a:pPr>
               <a:buFont typeface="Arial" panose="020B0604020202020204" pitchFamily="34" charset="0"/>
               <a:buChar char="•"/>
             </a:pPr>
             <a:r>
-              <a:rPr lang="en-US" sz="1100" i="0" dirty="0">
+              <a:rPr lang="en-US" sz="1200" dirty="0">
                 <a:solidFill>
                   <a:srgbClr val="000000"/>
                 </a:solidFill>
-                <a:effectLst/>
                 <a:latin typeface="Helvetica Neue"/>
               </a:rPr>
               <a:t>People use cabs mostly at weekends</a:t>
@@ -4176,85 +4224,66 @@
             </a:lvl9pPr>
           </a:lstStyle>
           <a:p>
-            <a:pPr algn="l"/>
-            <a:r>
-              <a:rPr lang="en-US" sz="1400" b="1" i="0" dirty="0">
-                <a:solidFill>
-                  <a:srgbClr val="000000"/>
-                </a:solidFill>
-                <a:effectLst/>
-                <a:latin typeface="Helvetica Neue"/>
-              </a:rPr>
-              <a:t>Conclusion:</a:t>
-            </a:r>
-          </a:p>
-          <a:p>
-            <a:pPr algn="l">
+            <a:pPr>
               <a:buFont typeface="Arial" panose="020B0604020202020204" pitchFamily="34" charset="0"/>
               <a:buChar char="•"/>
             </a:pPr>
             <a:r>
-              <a:rPr lang="en-US" sz="1000" i="0" dirty="0">
+              <a:rPr lang="en-US" sz="1200" dirty="0">
                 <a:solidFill>
                   <a:srgbClr val="000000"/>
                 </a:solidFill>
-                <a:effectLst/>
                 <a:latin typeface="Helvetica Neue"/>
               </a:rPr>
               <a:t>The Count of trips by Yellow Cab is higher than Pink Cab </a:t>
             </a:r>
             <a:r>
-              <a:rPr lang="en-US" sz="1000" i="0" dirty="0" err="1">
+              <a:rPr lang="en-US" sz="1200" dirty="0" err="1">
                 <a:solidFill>
                   <a:srgbClr val="000000"/>
                 </a:solidFill>
-                <a:effectLst/>
                 <a:latin typeface="Helvetica Neue"/>
               </a:rPr>
               <a:t>overally</a:t>
             </a:r>
             <a:r>
-              <a:rPr lang="en-US" sz="1000" i="0" dirty="0">
+              <a:rPr lang="en-US" sz="1200" dirty="0">
                 <a:solidFill>
                   <a:srgbClr val="000000"/>
                 </a:solidFill>
-                <a:effectLst/>
                 <a:latin typeface="Helvetica Neue"/>
               </a:rPr>
               <a:t> in holidays</a:t>
             </a:r>
           </a:p>
           <a:p>
-            <a:pPr algn="l">
+            <a:pPr>
               <a:buFont typeface="Arial" panose="020B0604020202020204" pitchFamily="34" charset="0"/>
               <a:buChar char="•"/>
             </a:pPr>
             <a:r>
-              <a:rPr lang="en-US" sz="1000" i="0" dirty="0">
+              <a:rPr lang="en-US" sz="1200" dirty="0">
                 <a:solidFill>
                   <a:srgbClr val="000000"/>
                 </a:solidFill>
-                <a:effectLst/>
                 <a:latin typeface="Helvetica Neue"/>
               </a:rPr>
               <a:t>Pink Cab has more trips on some days in some cities like trips in Sacramento CA on </a:t>
             </a:r>
             <a:r>
-              <a:rPr lang="en-US" sz="1000" i="0" dirty="0" err="1">
+              <a:rPr lang="en-US" sz="1200" dirty="0" err="1">
                 <a:solidFill>
                   <a:srgbClr val="000000"/>
                 </a:solidFill>
-                <a:effectLst/>
                 <a:latin typeface="Helvetica Neue"/>
               </a:rPr>
               <a:t>Chrismas</a:t>
             </a:r>
             <a:r>
-              <a:rPr lang="en-US" sz="1000" i="0" dirty="0">
+              <a:rPr lang="en-US" sz="1200" dirty="0">
                 <a:solidFill>
                   <a:srgbClr val="000000"/>
                 </a:solidFill>
-                <a:effectLst/>
                 <a:latin typeface="Helvetica Neue"/>
               </a:rPr>
               <a:t> day</a:t>
@@ -4290,7 +4319,7 @@
         </p:spPr>
         <p:txBody>
           <a:bodyPr vert="horz" lIns="91440" tIns="45720" rIns="91440" bIns="45720" rtlCol="0" anchor="ctr">
-            <a:normAutofit lnSpcReduction="10000"/>
+            <a:normAutofit/>
           </a:bodyPr>
           <a:lstStyle>
             <a:lvl1pPr marL="0" indent="0" algn="l" defTabSz="914400" rtl="0" eaLnBrk="1" latinLnBrk="0" hangingPunct="1">
@@ -4457,118 +4486,96 @@
             </a:lvl9pPr>
           </a:lstStyle>
           <a:p>
-            <a:pPr algn="l"/>
-            <a:r>
-              <a:rPr lang="en-US" sz="1300" b="1" i="0" dirty="0">
-                <a:solidFill>
-                  <a:srgbClr val="000000"/>
-                </a:solidFill>
-                <a:effectLst/>
-                <a:latin typeface="Helvetica Neue"/>
-              </a:rPr>
-              <a:t>Conclusion:</a:t>
-            </a:r>
-          </a:p>
-          <a:p>
-            <a:pPr algn="l">
+            <a:pPr>
               <a:buFont typeface="Arial" panose="020B0604020202020204" pitchFamily="34" charset="0"/>
               <a:buChar char="•"/>
             </a:pPr>
             <a:r>
-              <a:rPr lang="en-US" sz="1100" i="0" dirty="0">
+              <a:rPr lang="en-US" sz="1200" dirty="0">
                 <a:solidFill>
                   <a:srgbClr val="000000"/>
                 </a:solidFill>
-                <a:effectLst/>
                 <a:latin typeface="Helvetica Neue"/>
               </a:rPr>
               <a:t>Yellow Cab is more popular than Pink Cab </a:t>
             </a:r>
             <a:r>
-              <a:rPr lang="en-US" sz="1100" i="0" dirty="0" err="1">
+              <a:rPr lang="en-US" sz="1200" dirty="0" err="1">
                 <a:solidFill>
                   <a:srgbClr val="000000"/>
                 </a:solidFill>
-                <a:effectLst/>
                 <a:latin typeface="Helvetica Neue"/>
               </a:rPr>
               <a:t>overally</a:t>
             </a:r>
-            <a:endParaRPr lang="en-US" sz="1100" i="0" dirty="0">
+            <a:endParaRPr lang="en-US" sz="1200" dirty="0">
               <a:solidFill>
                 <a:srgbClr val="000000"/>
               </a:solidFill>
-              <a:effectLst/>
               <a:latin typeface="Helvetica Neue"/>
             </a:endParaRPr>
           </a:p>
           <a:p>
-            <a:pPr algn="l">
+            <a:pPr>
               <a:buFont typeface="Arial" panose="020B0604020202020204" pitchFamily="34" charset="0"/>
               <a:buChar char="•"/>
             </a:pPr>
             <a:r>
-              <a:rPr lang="en-US" sz="1100" i="0" dirty="0">
+              <a:rPr lang="en-US" sz="1200" dirty="0">
                 <a:solidFill>
                   <a:srgbClr val="000000"/>
                 </a:solidFill>
-                <a:effectLst/>
                 <a:latin typeface="Helvetica Neue"/>
               </a:rPr>
               <a:t>Both cab companies have the most trips on holidays on </a:t>
             </a:r>
             <a:r>
-              <a:rPr lang="en-US" sz="1100" i="0" dirty="0" err="1">
+              <a:rPr lang="en-US" sz="1200" dirty="0" err="1">
                 <a:solidFill>
                   <a:srgbClr val="000000"/>
                 </a:solidFill>
-                <a:effectLst/>
                 <a:latin typeface="Helvetica Neue"/>
               </a:rPr>
               <a:t>Chrismas</a:t>
             </a:r>
             <a:r>
-              <a:rPr lang="en-US" sz="1100" i="0" dirty="0">
+              <a:rPr lang="en-US" sz="1200" dirty="0">
                 <a:solidFill>
                   <a:srgbClr val="000000"/>
                 </a:solidFill>
-                <a:effectLst/>
                 <a:latin typeface="Helvetica Neue"/>
               </a:rPr>
               <a:t> day</a:t>
             </a:r>
           </a:p>
           <a:p>
-            <a:pPr algn="l">
+            <a:pPr>
               <a:buFont typeface="Arial" panose="020B0604020202020204" pitchFamily="34" charset="0"/>
               <a:buChar char="•"/>
             </a:pPr>
             <a:r>
-              <a:rPr lang="en-US" sz="1100" i="0" dirty="0">
+              <a:rPr lang="en-US" sz="1200" dirty="0">
                 <a:solidFill>
                   <a:srgbClr val="000000"/>
                 </a:solidFill>
-                <a:effectLst/>
                 <a:latin typeface="Helvetica Neue"/>
               </a:rPr>
               <a:t>After </a:t>
             </a:r>
             <a:r>
-              <a:rPr lang="en-US" sz="1100" i="0" dirty="0" err="1">
+              <a:rPr lang="en-US" sz="1200" dirty="0" err="1">
                 <a:solidFill>
                   <a:srgbClr val="000000"/>
                 </a:solidFill>
-                <a:effectLst/>
                 <a:latin typeface="Helvetica Neue"/>
               </a:rPr>
               <a:t>Chrismas</a:t>
             </a:r>
             <a:r>
-              <a:rPr lang="en-US" sz="1100" i="0" dirty="0">
+              <a:rPr lang="en-US" sz="1200" dirty="0">
                 <a:solidFill>
                   <a:srgbClr val="000000"/>
                 </a:solidFill>
-                <a:effectLst/>
                 <a:latin typeface="Helvetica Neue"/>
               </a:rPr>
               <a:t> day, Thanksgiving day is the second popular Holiday, mostly shown in Yellow Cab trips</a:t>
@@ -4719,7 +4726,7 @@
         </p:spPr>
         <p:txBody>
           <a:bodyPr vert="horz" lIns="91440" tIns="45720" rIns="91440" bIns="45720" rtlCol="0" anchor="ctr">
-            <a:normAutofit fontScale="92500" lnSpcReduction="10000"/>
+            <a:normAutofit fontScale="92500"/>
           </a:bodyPr>
           <a:lstStyle>
             <a:lvl1pPr marL="0" indent="0" algn="l" defTabSz="914400" rtl="0" eaLnBrk="1" latinLnBrk="0" hangingPunct="1">
@@ -4886,137 +4893,145 @@
             </a:lvl9pPr>
           </a:lstStyle>
           <a:p>
-            <a:pPr algn="l"/>
-            <a:r>
-              <a:rPr lang="en-US" sz="1700" b="1" i="0" dirty="0">
+            <a:pPr>
+              <a:lnSpc>
+                <a:spcPct val="100000"/>
+              </a:lnSpc>
+              <a:buFont typeface="Arial" panose="020B0604020202020204" pitchFamily="34" charset="0"/>
+              <a:buChar char="•"/>
+            </a:pPr>
+            <a:r>
+              <a:rPr lang="en-US" sz="1200" dirty="0">
                 <a:solidFill>
                   <a:srgbClr val="000000"/>
                 </a:solidFill>
-                <a:effectLst/>
                 <a:latin typeface="Helvetica Neue"/>
               </a:rPr>
-              <a:t>Conclusion:</a:t>
-            </a:r>
-          </a:p>
-          <a:p>
-            <a:pPr algn="l">
+              <a:t>Yellow Cab has more loyal customers</a:t>
+            </a:r>
+          </a:p>
+          <a:p>
+            <a:pPr>
+              <a:lnSpc>
+                <a:spcPct val="100000"/>
+              </a:lnSpc>
               <a:buFont typeface="Arial" panose="020B0604020202020204" pitchFamily="34" charset="0"/>
               <a:buChar char="•"/>
             </a:pPr>
             <a:r>
-              <a:rPr lang="en-US" sz="1300" i="0" dirty="0">
+              <a:rPr lang="en-US" sz="1200" dirty="0">
                 <a:solidFill>
                   <a:srgbClr val="000000"/>
                 </a:solidFill>
-                <a:effectLst/>
+                <a:latin typeface="Helvetica Neue"/>
               </a:rPr>
-              <a:t>Yellow Cab has more loyal customers</a:t>
-            </a:r>
-          </a:p>
-          <a:p>
-            <a:pPr algn="l">
+              <a:t>People who get back to Yellow Cab is </a:t>
+            </a:r>
+            <a:r>
+              <a:rPr lang="en-US" sz="1200" dirty="0" err="1">
+                <a:solidFill>
+                  <a:srgbClr val="000000"/>
+                </a:solidFill>
+                <a:latin typeface="Helvetica Neue"/>
+              </a:rPr>
+              <a:t>noticably</a:t>
+            </a:r>
+            <a:r>
+              <a:rPr lang="en-US" sz="1200" dirty="0">
+                <a:solidFill>
+                  <a:srgbClr val="000000"/>
+                </a:solidFill>
+                <a:latin typeface="Helvetica Neue"/>
+              </a:rPr>
+              <a:t> more than who are loyal to Pink Cab</a:t>
+            </a:r>
+          </a:p>
+          <a:p>
+            <a:pPr>
+              <a:lnSpc>
+                <a:spcPct val="100000"/>
+              </a:lnSpc>
               <a:buFont typeface="Arial" panose="020B0604020202020204" pitchFamily="34" charset="0"/>
               <a:buChar char="•"/>
             </a:pPr>
             <a:r>
-              <a:rPr lang="en-US" sz="1300" i="0" dirty="0">
+              <a:rPr lang="en-US" sz="1200" dirty="0">
                 <a:solidFill>
                   <a:srgbClr val="000000"/>
                 </a:solidFill>
-                <a:effectLst/>
+                <a:latin typeface="Helvetica Neue"/>
               </a:rPr>
-              <a:t>People who get back to Yellow Cab is </a:t>
-            </a:r>
-            <a:r>
-              <a:rPr lang="en-US" sz="1300" i="0" dirty="0" err="1">
-                <a:solidFill>
-                  <a:srgbClr val="000000"/>
-                </a:solidFill>
-                <a:effectLst/>
-              </a:rPr>
-              <a:t>noticably</a:t>
-            </a:r>
-            <a:r>
-              <a:rPr lang="en-US" sz="1300" i="0" dirty="0">
-                <a:solidFill>
-                  <a:srgbClr val="000000"/>
-                </a:solidFill>
-                <a:effectLst/>
-              </a:rPr>
-              <a:t> more than who are loyal to Pink Cab</a:t>
-            </a:r>
-          </a:p>
-          <a:p>
-            <a:pPr algn="l">
+              <a:t>Customers more like to get a car from Yellow Cab for another time than Pink Cab</a:t>
+            </a:r>
+          </a:p>
+          <a:p>
+            <a:pPr>
+              <a:lnSpc>
+                <a:spcPct val="100000"/>
+              </a:lnSpc>
               <a:buFont typeface="Arial" panose="020B0604020202020204" pitchFamily="34" charset="0"/>
               <a:buChar char="•"/>
             </a:pPr>
             <a:r>
-              <a:rPr lang="en-US" sz="1300" i="0" dirty="0">
+              <a:rPr lang="en-US" sz="1200" dirty="0">
                 <a:solidFill>
                   <a:srgbClr val="000000"/>
                 </a:solidFill>
-                <a:effectLst/>
+                <a:latin typeface="Helvetica Neue"/>
               </a:rPr>
-              <a:t>Customers more like to get a car from Yellow Cab for another time than Pink Cab</a:t>
-            </a:r>
-          </a:p>
-          <a:p>
-            <a:pPr algn="l">
+              <a:t>Pink Company is more attractive at first as we can see for who only use Cab service once, Pink Company is preferable</a:t>
+            </a:r>
+          </a:p>
+          <a:p>
+            <a:pPr>
+              <a:lnSpc>
+                <a:spcPct val="100000"/>
+              </a:lnSpc>
               <a:buFont typeface="Arial" panose="020B0604020202020204" pitchFamily="34" charset="0"/>
               <a:buChar char="•"/>
             </a:pPr>
             <a:r>
-              <a:rPr lang="en-US" sz="1300" i="0" dirty="0">
+              <a:rPr lang="en-US" sz="1200" dirty="0">
                 <a:solidFill>
                   <a:srgbClr val="000000"/>
                 </a:solidFill>
-                <a:effectLst/>
+                <a:latin typeface="Helvetica Neue"/>
               </a:rPr>
-              <a:t>Pink Company is more attractive at first as we can see for who only use Cab service once, Pink Company is preferable</a:t>
-            </a:r>
-          </a:p>
-          <a:p>
-            <a:pPr algn="l">
+              <a:t>Count of people who use one cab service is decreasing by increasing the number of trips</a:t>
+            </a:r>
+          </a:p>
+          <a:p>
+            <a:pPr>
+              <a:lnSpc>
+                <a:spcPct val="100000"/>
+              </a:lnSpc>
               <a:buFont typeface="Arial" panose="020B0604020202020204" pitchFamily="34" charset="0"/>
               <a:buChar char="•"/>
             </a:pPr>
             <a:r>
-              <a:rPr lang="en-US" sz="1300" i="0" dirty="0">
+              <a:rPr lang="en-US" sz="1200" dirty="0">
                 <a:solidFill>
                   <a:srgbClr val="000000"/>
                 </a:solidFill>
-                <a:effectLst/>
+                <a:latin typeface="Helvetica Neue"/>
               </a:rPr>
-              <a:t>Count of people who use one cab service is decreasing by increasing the number of trips</a:t>
-            </a:r>
-          </a:p>
-          <a:p>
-            <a:pPr algn="l">
+              <a:t>The maximum number of trips that one customer has done for Yellow Cab is around 45 and for Pink Cab is around 18</a:t>
+            </a:r>
+          </a:p>
+          <a:p>
+            <a:pPr>
+              <a:lnSpc>
+                <a:spcPct val="100000"/>
+              </a:lnSpc>
               <a:buFont typeface="Arial" panose="020B0604020202020204" pitchFamily="34" charset="0"/>
               <a:buChar char="•"/>
             </a:pPr>
             <a:r>
-              <a:rPr lang="en-US" sz="1300" i="0" dirty="0">
+              <a:rPr lang="en-US" sz="1200" dirty="0">
                 <a:solidFill>
                   <a:srgbClr val="000000"/>
                 </a:solidFill>
-                <a:effectLst/>
-              </a:rPr>
-              <a:t>The maximum number of trips that one customer has done for Yellow Cab is around 45 and for Pink Cab is around 18</a:t>
-            </a:r>
-          </a:p>
-          <a:p>
-            <a:pPr algn="l">
-              <a:buFont typeface="Arial" panose="020B0604020202020204" pitchFamily="34" charset="0"/>
-              <a:buChar char="•"/>
-            </a:pPr>
-            <a:r>
-              <a:rPr lang="en-US" sz="1300" i="0" dirty="0">
-                <a:solidFill>
-                  <a:srgbClr val="000000"/>
-                </a:solidFill>
-                <a:effectLst/>
+                <a:latin typeface="Helvetica Neue"/>
               </a:rPr>
               <a:t>The number 7 in Number of Trips is a critical number which count of customers for both companies are same, less than 7 Pink Cab is more popular and more than 7 Yellow Cab is more popular</a:t>
             </a:r>
@@ -5300,7 +5315,7 @@
         </p:spPr>
         <p:txBody>
           <a:bodyPr vert="horz" lIns="91440" tIns="45720" rIns="91440" bIns="45720" rtlCol="0" anchor="ctr">
-            <a:normAutofit fontScale="92500" lnSpcReduction="20000"/>
+            <a:normAutofit/>
           </a:bodyPr>
           <a:lstStyle>
             <a:lvl1pPr marL="0" indent="0" algn="l" defTabSz="914400" rtl="0" eaLnBrk="1" latinLnBrk="0" hangingPunct="1">
@@ -5467,59 +5482,46 @@
             </a:lvl9pPr>
           </a:lstStyle>
           <a:p>
-            <a:pPr algn="l"/>
-            <a:r>
-              <a:rPr lang="en-US" sz="1500" b="1" i="0" dirty="0">
+            <a:pPr>
+              <a:buFont typeface="Arial" panose="020B0604020202020204" pitchFamily="34" charset="0"/>
+              <a:buChar char="•"/>
+            </a:pPr>
+            <a:r>
+              <a:rPr lang="en-US" sz="1200" dirty="0">
                 <a:solidFill>
                   <a:srgbClr val="000000"/>
                 </a:solidFill>
-                <a:effectLst/>
                 <a:latin typeface="Helvetica Neue"/>
               </a:rPr>
-              <a:t>Conclusion:</a:t>
-            </a:r>
-          </a:p>
-          <a:p>
-            <a:pPr algn="l">
+              <a:t>Yellow Cab has is more popular mostly</a:t>
+            </a:r>
+          </a:p>
+          <a:p>
+            <a:pPr>
               <a:buFont typeface="Arial" panose="020B0604020202020204" pitchFamily="34" charset="0"/>
               <a:buChar char="•"/>
             </a:pPr>
             <a:r>
-              <a:rPr lang="en-US" sz="1300" i="0" dirty="0">
+              <a:rPr lang="en-US" sz="1200" dirty="0">
                 <a:solidFill>
                   <a:srgbClr val="000000"/>
                 </a:solidFill>
-                <a:effectLst/>
+                <a:latin typeface="Helvetica Neue"/>
               </a:rPr>
-              <a:t>Yellow Cab has is more popular mostly</a:t>
-            </a:r>
-          </a:p>
-          <a:p>
-            <a:pPr algn="l">
+              <a:t>In "PITTSBURGH PA", "SAN DIEGO CA", "SACRAMENTO CA" and "NASHVILLIE TN" Pink Cab is merely more popular than Yellow Cab</a:t>
+            </a:r>
+          </a:p>
+          <a:p>
+            <a:pPr>
               <a:buFont typeface="Arial" panose="020B0604020202020204" pitchFamily="34" charset="0"/>
               <a:buChar char="•"/>
             </a:pPr>
             <a:r>
-              <a:rPr lang="en-US" sz="1300" i="0" dirty="0">
+              <a:rPr lang="en-US" sz="1200" dirty="0">
                 <a:solidFill>
                   <a:srgbClr val="000000"/>
                 </a:solidFill>
-                <a:effectLst/>
-              </a:rPr>
-              <a:t>In "PITTSBURGH PA", "SAN DIEGO CA", "SACRAMENTO CA" and "NASHVILLIE TN" Pink Cab is merely more popular than Yellow Cab</a:t>
-            </a:r>
-          </a:p>
-          <a:p>
-            <a:pPr algn="l">
-              <a:buFont typeface="Arial" panose="020B0604020202020204" pitchFamily="34" charset="0"/>
-              <a:buChar char="•"/>
-            </a:pPr>
-            <a:r>
-              <a:rPr lang="en-US" sz="1300" i="0" dirty="0">
-                <a:solidFill>
-                  <a:srgbClr val="000000"/>
-                </a:solidFill>
-                <a:effectLst/>
+                <a:latin typeface="Helvetica Neue"/>
               </a:rPr>
               <a:t>According to section 1.4 the cities which mentioned above can not provide much Profit for Pink Cab</a:t>
             </a:r>
@@ -5737,7 +5739,7 @@
         </p:spPr>
         <p:txBody>
           <a:bodyPr vert="horz" lIns="91440" tIns="45720" rIns="91440" bIns="45720" rtlCol="0" anchor="ctr">
-            <a:normAutofit fontScale="62500" lnSpcReduction="20000"/>
+            <a:normAutofit fontScale="92500" lnSpcReduction="10000"/>
           </a:bodyPr>
           <a:lstStyle>
             <a:lvl1pPr marL="0" indent="0" algn="l" defTabSz="914400" rtl="0" eaLnBrk="1" latinLnBrk="0" hangingPunct="1">
@@ -5903,19 +5905,6 @@
               </a:defRPr>
             </a:lvl9pPr>
           </a:lstStyle>
-          <a:p>
-            <a:pPr algn="l"/>
-            <a:r>
-              <a:rPr lang="en-US" sz="1800" b="1" i="0" dirty="0">
-                <a:solidFill>
-                  <a:srgbClr val="000000"/>
-                </a:solidFill>
-                <a:effectLst/>
-                <a:latin typeface="Helvetica Neue"/>
-              </a:rPr>
-              <a:t>Conclusion:</a:t>
-            </a:r>
-          </a:p>
           <a:p>
             <a:pPr algn="l">
               <a:buFont typeface="Arial" panose="020B0604020202020204" pitchFamily="34" charset="0"/>
@@ -6885,43 +6874,7 @@
               <a:rPr lang="en-US" sz="1400" dirty="0">
                 <a:ea typeface="MS UI Gothic" panose="020B0600070205080204" pitchFamily="34" charset="-128"/>
               </a:rPr>
-              <a:t>"</a:t>
-            </a:r>
-            <a:r>
-              <a:rPr lang="en-US" sz="1400" dirty="0" err="1">
-                <a:ea typeface="MS UI Gothic" panose="020B0600070205080204" pitchFamily="34" charset="-128"/>
-              </a:rPr>
-              <a:t>df_total</a:t>
-            </a:r>
-            <a:r>
-              <a:rPr lang="en-US" sz="1400" dirty="0">
-                <a:ea typeface="MS UI Gothic" panose="020B0600070205080204" pitchFamily="34" charset="-128"/>
-              </a:rPr>
-              <a:t>" is a </a:t>
-            </a:r>
-            <a:r>
-              <a:rPr lang="en-US" sz="1400" dirty="0" err="1">
-                <a:ea typeface="MS UI Gothic" panose="020B0600070205080204" pitchFamily="34" charset="-128"/>
-              </a:rPr>
-              <a:t>dataframe</a:t>
-            </a:r>
-            <a:r>
-              <a:rPr lang="en-US" sz="1400" dirty="0">
-                <a:ea typeface="MS UI Gothic" panose="020B0600070205080204" pitchFamily="34" charset="-128"/>
-              </a:rPr>
-              <a:t> is created by merging mentioned 5 </a:t>
-            </a:r>
-            <a:r>
-              <a:rPr lang="en-US" sz="1400" dirty="0" err="1">
-                <a:ea typeface="MS UI Gothic" panose="020B0600070205080204" pitchFamily="34" charset="-128"/>
-              </a:rPr>
-              <a:t>dataframes</a:t>
-            </a:r>
-            <a:r>
-              <a:rPr lang="en-US" sz="1400" dirty="0">
-                <a:ea typeface="MS UI Gothic" panose="020B0600070205080204" pitchFamily="34" charset="-128"/>
-              </a:rPr>
-              <a:t> :</a:t>
+              <a:t>The main dataset is created by merging mentioned 5 datasets  :</a:t>
             </a:r>
           </a:p>
           <a:p>
@@ -7343,25 +7296,12 @@
             </a:lvl9pPr>
           </a:lstStyle>
           <a:p>
-            <a:pPr algn="l"/>
-            <a:r>
-              <a:rPr lang="en-US" sz="1200" b="1" i="0" dirty="0">
-                <a:solidFill>
-                  <a:srgbClr val="000000"/>
-                </a:solidFill>
-                <a:effectLst/>
-                <a:latin typeface="Helvetica Neue"/>
-              </a:rPr>
-              <a:t>Conclusion:</a:t>
-            </a:r>
-          </a:p>
-          <a:p>
             <a:pPr algn="l">
               <a:buFont typeface="Arial" panose="020B0604020202020204" pitchFamily="34" charset="0"/>
               <a:buChar char="•"/>
             </a:pPr>
             <a:r>
-              <a:rPr lang="en-US" sz="900" i="0" dirty="0">
+              <a:rPr lang="en-US" sz="1200" i="0" dirty="0">
                 <a:solidFill>
                   <a:srgbClr val="000000"/>
                 </a:solidFill>
@@ -7371,7 +7311,7 @@
               <a:t>Yellow Cab has more Profit than Pink Cab </a:t>
             </a:r>
             <a:r>
-              <a:rPr lang="en-US" sz="900" i="0" dirty="0" err="1">
+              <a:rPr lang="en-US" sz="1200" i="0" dirty="0" err="1">
                 <a:solidFill>
                   <a:srgbClr val="000000"/>
                 </a:solidFill>
@@ -7380,7 +7320,7 @@
               </a:rPr>
               <a:t>Overally</a:t>
             </a:r>
-            <a:endParaRPr lang="en-US" sz="900" i="0" dirty="0">
+            <a:endParaRPr lang="en-US" sz="1200" i="0" dirty="0">
               <a:solidFill>
                 <a:srgbClr val="000000"/>
               </a:solidFill>
@@ -7394,7 +7334,7 @@
               <a:buChar char="•"/>
             </a:pPr>
             <a:r>
-              <a:rPr lang="en-US" sz="900" i="0" dirty="0">
+              <a:rPr lang="en-US" sz="1200" i="0" dirty="0">
                 <a:solidFill>
                   <a:srgbClr val="000000"/>
                 </a:solidFill>
@@ -7410,7 +7350,7 @@
               <a:buChar char="•"/>
             </a:pPr>
             <a:r>
-              <a:rPr lang="en-US" sz="900" i="0" dirty="0">
+              <a:rPr lang="en-US" sz="1200" i="0" dirty="0">
                 <a:solidFill>
                   <a:srgbClr val="000000"/>
                 </a:solidFill>
@@ -7675,7 +7615,7 @@
         </p:spPr>
         <p:txBody>
           <a:bodyPr vert="horz" lIns="91440" tIns="45720" rIns="91440" bIns="45720" rtlCol="0" anchor="ctr">
-            <a:normAutofit fontScale="32500" lnSpcReduction="20000"/>
+            <a:normAutofit/>
           </a:bodyPr>
           <a:lstStyle>
             <a:lvl1pPr marL="0" indent="0" algn="l" defTabSz="914400" rtl="0" eaLnBrk="1" latinLnBrk="0" hangingPunct="1">
@@ -7842,73 +7782,69 @@
             </a:lvl9pPr>
           </a:lstStyle>
           <a:p>
-            <a:pPr algn="l"/>
-            <a:endParaRPr lang="en-US" sz="2100" b="1" i="0" dirty="0">
+            <a:pPr>
+              <a:lnSpc>
+                <a:spcPct val="110000"/>
+              </a:lnSpc>
+              <a:buFont typeface="Arial" panose="020B0604020202020204" pitchFamily="34" charset="0"/>
+              <a:buChar char="•"/>
+            </a:pPr>
+            <a:endParaRPr lang="en-US" sz="1200" dirty="0">
               <a:solidFill>
                 <a:srgbClr val="000000"/>
               </a:solidFill>
-              <a:effectLst/>
               <a:latin typeface="Helvetica Neue"/>
             </a:endParaRPr>
           </a:p>
           <a:p>
-            <a:pPr algn="l"/>
-            <a:r>
-              <a:rPr lang="en-US" sz="4400" b="1" i="0" dirty="0">
-                <a:solidFill>
-                  <a:srgbClr val="000000"/>
-                </a:solidFill>
-                <a:effectLst/>
-              </a:rPr>
-              <a:t>Conclusion:</a:t>
-            </a:r>
-          </a:p>
-          <a:p>
-            <a:pPr algn="l">
-              <a:lnSpc>
-                <a:spcPct val="120000"/>
+            <a:pPr>
+              <a:lnSpc>
+                <a:spcPct val="110000"/>
               </a:lnSpc>
               <a:buFont typeface="Arial" panose="020B0604020202020204" pitchFamily="34" charset="0"/>
               <a:buChar char="•"/>
             </a:pPr>
             <a:r>
-              <a:rPr lang="en-US" sz="3500" i="0" dirty="0">
+              <a:rPr lang="en-US" sz="1200" dirty="0">
                 <a:solidFill>
                   <a:srgbClr val="000000"/>
                 </a:solidFill>
-                <a:effectLst/>
+                <a:latin typeface="Helvetica Neue"/>
               </a:rPr>
               <a:t>The total distance travelled by Yellow Cab is higher than Pink </a:t>
             </a:r>
             <a:r>
-              <a:rPr lang="en-US" sz="3500" i="0" dirty="0" err="1">
+              <a:rPr lang="en-US" sz="1200" dirty="0" err="1">
                 <a:solidFill>
                   <a:srgbClr val="000000"/>
                 </a:solidFill>
-                <a:effectLst/>
+                <a:latin typeface="Helvetica Neue"/>
               </a:rPr>
               <a:t>CabThe</a:t>
             </a:r>
             <a:r>
-              <a:rPr lang="en-US" sz="3500" i="0" dirty="0">
+              <a:rPr lang="en-US" sz="1200" dirty="0">
                 <a:solidFill>
                   <a:srgbClr val="000000"/>
                 </a:solidFill>
-                <a:effectLst/>
+                <a:latin typeface="Helvetica Neue"/>
               </a:rPr>
               <a:t> margin of the total travelled distance between two companies is somehow constant over the years</a:t>
             </a:r>
           </a:p>
           <a:p>
-            <a:pPr algn="l">
+            <a:pPr>
+              <a:lnSpc>
+                <a:spcPct val="110000"/>
+              </a:lnSpc>
               <a:buFont typeface="Arial" panose="020B0604020202020204" pitchFamily="34" charset="0"/>
               <a:buChar char="•"/>
             </a:pPr>
-            <a:endParaRPr lang="en-US" sz="1500" i="0" dirty="0">
+            <a:endParaRPr lang="en-US" sz="1200" dirty="0">
               <a:solidFill>
                 <a:srgbClr val="000000"/>
               </a:solidFill>
-              <a:effectLst/>
+              <a:latin typeface="Helvetica Neue"/>
             </a:endParaRPr>
           </a:p>
         </p:txBody>
@@ -8130,7 +8066,7 @@
         </p:spPr>
         <p:txBody>
           <a:bodyPr vert="horz" lIns="91440" tIns="45720" rIns="91440" bIns="45720" rtlCol="0" anchor="ctr">
-            <a:normAutofit/>
+            <a:normAutofit fontScale="92500" lnSpcReduction="10000"/>
           </a:bodyPr>
           <a:lstStyle>
             <a:lvl1pPr marL="0" indent="0" algn="l" defTabSz="914400" rtl="0" eaLnBrk="1" latinLnBrk="0" hangingPunct="1">
@@ -8297,73 +8233,61 @@
             </a:lvl9pPr>
           </a:lstStyle>
           <a:p>
-            <a:pPr algn="l"/>
-            <a:r>
-              <a:rPr lang="en-US" sz="1000" b="1" i="0" dirty="0">
-                <a:solidFill>
-                  <a:srgbClr val="000000"/>
-                </a:solidFill>
-                <a:effectLst/>
-              </a:rPr>
-              <a:t>Conclusion:</a:t>
-            </a:r>
-          </a:p>
-          <a:p>
-            <a:pPr algn="l">
+            <a:pPr>
               <a:buFont typeface="Arial" panose="020B0604020202020204" pitchFamily="34" charset="0"/>
               <a:buChar char="•"/>
             </a:pPr>
             <a:r>
-              <a:rPr lang="en-US" sz="800" i="0" dirty="0">
+              <a:rPr lang="en-US" sz="1200" dirty="0">
                 <a:solidFill>
                   <a:srgbClr val="000000"/>
                 </a:solidFill>
-                <a:effectLst/>
+                <a:latin typeface="Helvetica Neue"/>
               </a:rPr>
               <a:t>Travelled distance in both companies increased from 2016 to 2017, but the value of Profit/Distance is decreased in both of them</a:t>
             </a:r>
           </a:p>
           <a:p>
-            <a:pPr algn="l">
+            <a:pPr>
               <a:buFont typeface="Arial" panose="020B0604020202020204" pitchFamily="34" charset="0"/>
               <a:buChar char="•"/>
             </a:pPr>
             <a:r>
-              <a:rPr lang="en-US" sz="800" i="0" dirty="0">
+              <a:rPr lang="en-US" sz="1200" dirty="0">
                 <a:solidFill>
                   <a:srgbClr val="000000"/>
                 </a:solidFill>
-                <a:effectLst/>
+                <a:latin typeface="Helvetica Neue"/>
               </a:rPr>
               <a:t>The value of Profit/Distance in Yellow Cab is noticeably higher than Pink Cab</a:t>
             </a:r>
           </a:p>
           <a:p>
-            <a:pPr algn="l">
+            <a:pPr>
               <a:buFont typeface="Arial" panose="020B0604020202020204" pitchFamily="34" charset="0"/>
               <a:buChar char="•"/>
             </a:pPr>
             <a:r>
-              <a:rPr lang="en-US" sz="800" i="0" dirty="0">
+              <a:rPr lang="en-US" sz="1200" dirty="0">
                 <a:solidFill>
                   <a:srgbClr val="000000"/>
                 </a:solidFill>
-                <a:effectLst/>
+                <a:latin typeface="Helvetica Neue"/>
               </a:rPr>
               <a:t>The value of Profit/Distance in both companies decreased from 2016 to 2018</a:t>
             </a:r>
           </a:p>
           <a:p>
-            <a:pPr algn="l">
+            <a:pPr>
               <a:buFont typeface="Arial" panose="020B0604020202020204" pitchFamily="34" charset="0"/>
               <a:buChar char="•"/>
             </a:pPr>
             <a:r>
-              <a:rPr lang="en-US" sz="800" i="0" dirty="0">
+              <a:rPr lang="en-US" sz="1200" dirty="0">
                 <a:solidFill>
                   <a:srgbClr val="000000"/>
                 </a:solidFill>
-                <a:effectLst/>
+                <a:latin typeface="Helvetica Neue"/>
               </a:rPr>
               <a:t>The margin of the value Profit/Distance between two companies is decreased over the years</a:t>
             </a:r>
@@ -8513,7 +8437,7 @@
         </p:spPr>
         <p:txBody>
           <a:bodyPr vert="horz" lIns="91440" tIns="45720" rIns="91440" bIns="45720" rtlCol="0" anchor="ctr">
-            <a:normAutofit fontScale="62500" lnSpcReduction="20000"/>
+            <a:normAutofit fontScale="85000" lnSpcReduction="10000"/>
           </a:bodyPr>
           <a:lstStyle>
             <a:lvl1pPr marL="0" indent="0" algn="l" defTabSz="914400" rtl="0" eaLnBrk="1" latinLnBrk="0" hangingPunct="1">
@@ -8680,74 +8604,73 @@
             </a:lvl9pPr>
           </a:lstStyle>
           <a:p>
-            <a:pPr algn="l"/>
-            <a:r>
-              <a:rPr lang="en-US" sz="2100" b="1" i="0" dirty="0">
+            <a:pPr>
+              <a:lnSpc>
+                <a:spcPct val="110000"/>
+              </a:lnSpc>
+              <a:buFont typeface="Arial" panose="020B0604020202020204" pitchFamily="34" charset="0"/>
+              <a:buChar char="•"/>
+            </a:pPr>
+            <a:r>
+              <a:rPr lang="en-US" sz="1200" dirty="0">
                 <a:solidFill>
                   <a:srgbClr val="000000"/>
                 </a:solidFill>
-                <a:effectLst/>
                 <a:latin typeface="Helvetica Neue"/>
               </a:rPr>
-              <a:t>Conclusion:</a:t>
-            </a:r>
-          </a:p>
-          <a:p>
-            <a:pPr algn="l">
+              <a:t>The baseline of Yellow Cab is upper than Pink Cab</a:t>
+            </a:r>
+          </a:p>
+          <a:p>
+            <a:pPr>
+              <a:lnSpc>
+                <a:spcPct val="110000"/>
+              </a:lnSpc>
               <a:buFont typeface="Arial" panose="020B0604020202020204" pitchFamily="34" charset="0"/>
               <a:buChar char="•"/>
             </a:pPr>
             <a:r>
-              <a:rPr lang="en-US" i="0" dirty="0">
+              <a:rPr lang="en-US" sz="1200" dirty="0">
                 <a:solidFill>
                   <a:srgbClr val="000000"/>
                 </a:solidFill>
-                <a:effectLst/>
+                <a:latin typeface="Helvetica Neue"/>
               </a:rPr>
-              <a:t>The baseline of Yellow Cab is upper than Pink Cab</a:t>
-            </a:r>
-          </a:p>
-          <a:p>
-            <a:pPr algn="l">
+              <a:t>The slope of increasing profit from Wednesday to Friday mostly Thursday to Friday is noticeably higher in Yellow Cab than Pink Cab</a:t>
+            </a:r>
+          </a:p>
+          <a:p>
+            <a:pPr>
+              <a:lnSpc>
+                <a:spcPct val="110000"/>
+              </a:lnSpc>
               <a:buFont typeface="Arial" panose="020B0604020202020204" pitchFamily="34" charset="0"/>
               <a:buChar char="•"/>
             </a:pPr>
             <a:r>
-              <a:rPr lang="en-US" i="0" dirty="0">
+              <a:rPr lang="en-US" sz="1200" dirty="0">
                 <a:solidFill>
                   <a:srgbClr val="000000"/>
                 </a:solidFill>
-                <a:effectLst/>
+                <a:latin typeface="Helvetica Neue"/>
               </a:rPr>
-              <a:t>The slope of increasing profit from Wednesday to Friday mostly Thursday to Friday is noticeably higher in Yellow Cab than Pink Cab</a:t>
-            </a:r>
-          </a:p>
-          <a:p>
-            <a:pPr algn="l">
+              <a:t>The slope of decreasing profit from Friday to Saturday is higher in Yellow Cab than Pink Cab</a:t>
+            </a:r>
+          </a:p>
+          <a:p>
+            <a:pPr>
+              <a:lnSpc>
+                <a:spcPct val="110000"/>
+              </a:lnSpc>
               <a:buFont typeface="Arial" panose="020B0604020202020204" pitchFamily="34" charset="0"/>
               <a:buChar char="•"/>
             </a:pPr>
             <a:r>
-              <a:rPr lang="en-US" i="0" dirty="0">
+              <a:rPr lang="en-US" sz="1200" dirty="0">
                 <a:solidFill>
                   <a:srgbClr val="000000"/>
                 </a:solidFill>
-                <a:effectLst/>
-              </a:rPr>
-              <a:t>The slope of decreasing profit from Friday to Saturday is higher in Yellow Cab than Pink Cab</a:t>
-            </a:r>
-          </a:p>
-          <a:p>
-            <a:pPr algn="l">
-              <a:buFont typeface="Arial" panose="020B0604020202020204" pitchFamily="34" charset="0"/>
-              <a:buChar char="•"/>
-            </a:pPr>
-            <a:r>
-              <a:rPr lang="en-US" i="0" dirty="0">
-                <a:solidFill>
-                  <a:srgbClr val="000000"/>
-                </a:solidFill>
-                <a:effectLst/>
+                <a:latin typeface="Helvetica Neue"/>
               </a:rPr>
               <a:t>Yellow Cab has decreased from Saturday to Sunday, although Pink Cab has an insignificant increase in the same period</a:t>
             </a:r>
@@ -8964,7 +8887,7 @@
         </p:spPr>
         <p:txBody>
           <a:bodyPr vert="horz" lIns="91440" tIns="45720" rIns="91440" bIns="45720" rtlCol="0" anchor="ctr">
-            <a:normAutofit fontScale="55000" lnSpcReduction="20000"/>
+            <a:normAutofit fontScale="92500" lnSpcReduction="10000"/>
           </a:bodyPr>
           <a:lstStyle>
             <a:lvl1pPr marL="0" indent="0" algn="l" defTabSz="914400" rtl="0" eaLnBrk="1" latinLnBrk="0" hangingPunct="1">
@@ -9131,77 +9054,73 @@
             </a:lvl9pPr>
           </a:lstStyle>
           <a:p>
-            <a:pPr algn="l"/>
-            <a:r>
-              <a:rPr lang="en-US" sz="2100" b="1" i="0" dirty="0">
+            <a:pPr>
+              <a:lnSpc>
+                <a:spcPct val="110000"/>
+              </a:lnSpc>
+              <a:buFont typeface="Arial" panose="020B0604020202020204" pitchFamily="34" charset="0"/>
+              <a:buChar char="•"/>
+            </a:pPr>
+            <a:r>
+              <a:rPr lang="en-US" sz="1200" dirty="0">
                 <a:solidFill>
                   <a:srgbClr val="000000"/>
                 </a:solidFill>
-                <a:effectLst/>
                 <a:latin typeface="Helvetica Neue"/>
               </a:rPr>
-              <a:t>Conclusion:</a:t>
-            </a:r>
-          </a:p>
-          <a:p>
-            <a:pPr algn="l">
+              <a:t>In most cities specially ones that cover majority of Profit, Yellow Cab is </a:t>
+            </a:r>
+            <a:r>
+              <a:rPr lang="en-US" sz="1200" dirty="0" err="1">
+                <a:solidFill>
+                  <a:srgbClr val="000000"/>
+                </a:solidFill>
+                <a:latin typeface="Helvetica Neue"/>
+              </a:rPr>
+              <a:t>noticebly</a:t>
+            </a:r>
+            <a:r>
+              <a:rPr lang="en-US" sz="1200" dirty="0">
+                <a:solidFill>
+                  <a:srgbClr val="000000"/>
+                </a:solidFill>
+                <a:latin typeface="Helvetica Neue"/>
+              </a:rPr>
+              <a:t> earn much Profit than Pink Cab</a:t>
+            </a:r>
+          </a:p>
+          <a:p>
+            <a:pPr>
+              <a:lnSpc>
+                <a:spcPct val="110000"/>
+              </a:lnSpc>
               <a:buFont typeface="Arial" panose="020B0604020202020204" pitchFamily="34" charset="0"/>
               <a:buChar char="•"/>
             </a:pPr>
             <a:r>
-              <a:rPr lang="en-US" sz="2000" i="0" dirty="0">
+              <a:rPr lang="en-US" sz="1200" dirty="0">
                 <a:solidFill>
                   <a:srgbClr val="000000"/>
                 </a:solidFill>
-                <a:effectLst/>
+                <a:latin typeface="Helvetica Neue"/>
               </a:rPr>
-              <a:t>In most cities specially ones that cover majority of Profit, Yellow Cab is </a:t>
-            </a:r>
-            <a:r>
-              <a:rPr lang="en-US" sz="2000" i="0" dirty="0" err="1">
-                <a:solidFill>
-                  <a:srgbClr val="000000"/>
-                </a:solidFill>
-                <a:effectLst/>
-              </a:rPr>
-              <a:t>noticebly</a:t>
-            </a:r>
-            <a:r>
-              <a:rPr lang="en-US" sz="2000" i="0" dirty="0">
-                <a:solidFill>
-                  <a:srgbClr val="000000"/>
-                </a:solidFill>
-                <a:effectLst/>
-              </a:rPr>
-              <a:t> earn much Profit than Pink Cab</a:t>
-            </a:r>
-          </a:p>
-          <a:p>
-            <a:pPr algn="l">
+              <a:t>NY covers the most Profit over cab industries</a:t>
+            </a:r>
+          </a:p>
+          <a:p>
+            <a:pPr>
+              <a:lnSpc>
+                <a:spcPct val="110000"/>
+              </a:lnSpc>
               <a:buFont typeface="Arial" panose="020B0604020202020204" pitchFamily="34" charset="0"/>
               <a:buChar char="•"/>
             </a:pPr>
             <a:r>
-              <a:rPr lang="en-US" sz="2000" i="0" dirty="0">
+              <a:rPr lang="en-US" sz="1200" dirty="0">
                 <a:solidFill>
                   <a:srgbClr val="000000"/>
                 </a:solidFill>
-                <a:effectLst/>
-              </a:rPr>
-              <a:t>NY covers the most Profit over cab industries</a:t>
-            </a:r>
-          </a:p>
-          <a:p>
-            <a:pPr algn="l">
-              <a:buFont typeface="Arial" panose="020B0604020202020204" pitchFamily="34" charset="0"/>
-              <a:buChar char="•"/>
-            </a:pPr>
-            <a:r>
-              <a:rPr lang="en-US" sz="2000" i="0" dirty="0">
-                <a:solidFill>
-                  <a:srgbClr val="000000"/>
-                </a:solidFill>
-                <a:effectLst/>
+                <a:latin typeface="Helvetica Neue"/>
               </a:rPr>
               <a:t>Income of customers in Yellow Cab and Pink Cab are almost same per City although the Profit is much different (find in HTML)</a:t>
             </a:r>
@@ -9585,45 +9504,30 @@
             </a:lvl9pPr>
           </a:lstStyle>
           <a:p>
-            <a:pPr algn="l"/>
-            <a:r>
-              <a:rPr lang="en-US" sz="1800" b="1" i="0" dirty="0">
-                <a:solidFill>
-                  <a:srgbClr val="000000"/>
-                </a:solidFill>
-                <a:effectLst/>
-                <a:latin typeface="Helvetica Neue"/>
-              </a:rPr>
-              <a:t>Conclusion:</a:t>
-            </a:r>
-          </a:p>
-          <a:p>
-            <a:pPr algn="l">
+            <a:pPr>
               <a:buFont typeface="Arial" panose="020B0604020202020204" pitchFamily="34" charset="0"/>
               <a:buChar char="•"/>
             </a:pPr>
             <a:r>
-              <a:rPr lang="en-US" sz="1300" i="0" dirty="0">
+              <a:rPr lang="en-US" sz="1200" dirty="0">
                 <a:solidFill>
                   <a:srgbClr val="000000"/>
                 </a:solidFill>
-                <a:effectLst/>
                 <a:latin typeface="Helvetica Neue"/>
               </a:rPr>
               <a:t>There is almost no specific daily pattern for market share for none of companies</a:t>
             </a:r>
           </a:p>
           <a:p>
-            <a:pPr algn="l">
+            <a:pPr>
               <a:buFont typeface="Arial" panose="020B0604020202020204" pitchFamily="34" charset="0"/>
               <a:buChar char="•"/>
             </a:pPr>
             <a:r>
-              <a:rPr lang="en-US" sz="1300" i="0" dirty="0">
+              <a:rPr lang="en-US" sz="1200" dirty="0">
                 <a:solidFill>
                   <a:srgbClr val="000000"/>
                 </a:solidFill>
-                <a:effectLst/>
                 <a:latin typeface="Helvetica Neue"/>
               </a:rPr>
               <a:t>Yellow Cab has always around 70 percent of market and the Pink Cab has 30 percent of it</a:t>

--- a/G2M insight for Cab Investment firm.pptx
+++ b/G2M insight for Cab Investment firm.pptx
@@ -4235,58 +4235,22 @@
                 </a:solidFill>
                 <a:latin typeface="Helvetica Neue"/>
               </a:rPr>
-              <a:t>The Count of trips by Yellow Cab is higher than Pink Cab </a:t>
-            </a:r>
-            <a:r>
-              <a:rPr lang="en-US" sz="1200" dirty="0" err="1">
+              <a:t>The Count of trips by Yellow Cab is higher than Pink Cab mostly in holidays</a:t>
+            </a:r>
+          </a:p>
+          <a:p>
+            <a:pPr>
+              <a:buFont typeface="Arial" panose="020B0604020202020204" pitchFamily="34" charset="0"/>
+              <a:buChar char="•"/>
+            </a:pPr>
+            <a:r>
+              <a:rPr lang="en-US" sz="1200" dirty="0">
                 <a:solidFill>
                   <a:srgbClr val="000000"/>
                 </a:solidFill>
                 <a:latin typeface="Helvetica Neue"/>
               </a:rPr>
-              <a:t>overally</a:t>
-            </a:r>
-            <a:r>
-              <a:rPr lang="en-US" sz="1200" dirty="0">
-                <a:solidFill>
-                  <a:srgbClr val="000000"/>
-                </a:solidFill>
-                <a:latin typeface="Helvetica Neue"/>
-              </a:rPr>
-              <a:t> in holidays</a:t>
-            </a:r>
-          </a:p>
-          <a:p>
-            <a:pPr>
-              <a:buFont typeface="Arial" panose="020B0604020202020204" pitchFamily="34" charset="0"/>
-              <a:buChar char="•"/>
-            </a:pPr>
-            <a:r>
-              <a:rPr lang="en-US" sz="1200" dirty="0">
-                <a:solidFill>
-                  <a:srgbClr val="000000"/>
-                </a:solidFill>
-                <a:latin typeface="Helvetica Neue"/>
-              </a:rPr>
-              <a:t>Pink Cab has more trips on some days in some cities like trips in Sacramento CA on </a:t>
-            </a:r>
-            <a:r>
-              <a:rPr lang="en-US" sz="1200" dirty="0" err="1">
-                <a:solidFill>
-                  <a:srgbClr val="000000"/>
-                </a:solidFill>
-                <a:latin typeface="Helvetica Neue"/>
-              </a:rPr>
-              <a:t>Chrismas</a:t>
-            </a:r>
-            <a:r>
-              <a:rPr lang="en-US" sz="1200" dirty="0">
-                <a:solidFill>
-                  <a:srgbClr val="000000"/>
-                </a:solidFill>
-                <a:latin typeface="Helvetica Neue"/>
-              </a:rPr>
-              <a:t> day</a:t>
+              <a:t>Pink Cab has more trips on some days in some cities like trips in Sacramento CA on Christmas day</a:t>
             </a:r>
           </a:p>
         </p:txBody>
@@ -4497,23 +4461,23 @@
                 </a:solidFill>
                 <a:latin typeface="Helvetica Neue"/>
               </a:rPr>
-              <a:t>Yellow Cab is more popular than Pink Cab </a:t>
-            </a:r>
-            <a:r>
-              <a:rPr lang="en-US" sz="1200" dirty="0" err="1">
+              <a:t>Yellow Cab is more popular than Pink Cab mostly</a:t>
+            </a:r>
+          </a:p>
+          <a:p>
+            <a:pPr>
+              <a:buFont typeface="Arial" panose="020B0604020202020204" pitchFamily="34" charset="0"/>
+              <a:buChar char="•"/>
+            </a:pPr>
+            <a:r>
+              <a:rPr lang="en-US" sz="1200" dirty="0">
                 <a:solidFill>
                   <a:srgbClr val="000000"/>
                 </a:solidFill>
                 <a:latin typeface="Helvetica Neue"/>
               </a:rPr>
-              <a:t>overally</a:t>
-            </a:r>
-            <a:endParaRPr lang="en-US" sz="1200" dirty="0">
-              <a:solidFill>
-                <a:srgbClr val="000000"/>
-              </a:solidFill>
-              <a:latin typeface="Helvetica Neue"/>
-            </a:endParaRPr>
+              <a:t>Both cab companies have the most trips on holidays on Christmas day</a:t>
+            </a:r>
           </a:p>
           <a:p>
             <a:pPr>
@@ -4527,58 +4491,7 @@
                 </a:solidFill>
                 <a:latin typeface="Helvetica Neue"/>
               </a:rPr>
-              <a:t>Both cab companies have the most trips on holidays on </a:t>
-            </a:r>
-            <a:r>
-              <a:rPr lang="en-US" sz="1200" dirty="0" err="1">
-                <a:solidFill>
-                  <a:srgbClr val="000000"/>
-                </a:solidFill>
-                <a:latin typeface="Helvetica Neue"/>
-              </a:rPr>
-              <a:t>Chrismas</a:t>
-            </a:r>
-            <a:r>
-              <a:rPr lang="en-US" sz="1200" dirty="0">
-                <a:solidFill>
-                  <a:srgbClr val="000000"/>
-                </a:solidFill>
-                <a:latin typeface="Helvetica Neue"/>
-              </a:rPr>
-              <a:t> day</a:t>
-            </a:r>
-          </a:p>
-          <a:p>
-            <a:pPr>
-              <a:buFont typeface="Arial" panose="020B0604020202020204" pitchFamily="34" charset="0"/>
-              <a:buChar char="•"/>
-            </a:pPr>
-            <a:r>
-              <a:rPr lang="en-US" sz="1200" dirty="0">
-                <a:solidFill>
-                  <a:srgbClr val="000000"/>
-                </a:solidFill>
-                <a:latin typeface="Helvetica Neue"/>
-              </a:rPr>
-              <a:t>After </a:t>
-            </a:r>
-            <a:r>
-              <a:rPr lang="en-US" sz="1200" dirty="0" err="1">
-                <a:solidFill>
-                  <a:srgbClr val="000000"/>
-                </a:solidFill>
-                <a:latin typeface="Helvetica Neue"/>
-              </a:rPr>
-              <a:t>Chrismas</a:t>
-            </a:r>
-            <a:r>
-              <a:rPr lang="en-US" sz="1200" dirty="0">
-                <a:solidFill>
-                  <a:srgbClr val="000000"/>
-                </a:solidFill>
-                <a:latin typeface="Helvetica Neue"/>
-              </a:rPr>
-              <a:t> day, Thanksgiving day is the second popular Holiday, mostly shown in Yellow Cab trips</a:t>
+              <a:t>After Christmas day, Thanksgiving day is the second popular Holiday, mostly shown in Yellow Cab trips</a:t>
             </a:r>
           </a:p>
         </p:txBody>
@@ -4925,25 +4838,7 @@
                 </a:solidFill>
                 <a:latin typeface="Helvetica Neue"/>
               </a:rPr>
-              <a:t>People who get back to Yellow Cab is </a:t>
-            </a:r>
-            <a:r>
-              <a:rPr lang="en-US" sz="1200" dirty="0" err="1">
-                <a:solidFill>
-                  <a:srgbClr val="000000"/>
-                </a:solidFill>
-                <a:latin typeface="Helvetica Neue"/>
-              </a:rPr>
-              <a:t>noticably</a:t>
-            </a:r>
-            <a:r>
-              <a:rPr lang="en-US" sz="1200" dirty="0">
-                <a:solidFill>
-                  <a:srgbClr val="000000"/>
-                </a:solidFill>
-                <a:latin typeface="Helvetica Neue"/>
-              </a:rPr>
-              <a:t> more than who are loyal to Pink Cab</a:t>
+              <a:t>People who get back to Yellow Cab is noticeably more than who are loyal to Pink Cab</a:t>
             </a:r>
           </a:p>
           <a:p>
@@ -7811,25 +7706,25 @@
                 </a:solidFill>
                 <a:latin typeface="Helvetica Neue"/>
               </a:rPr>
-              <a:t>The total distance travelled by Yellow Cab is higher than Pink </a:t>
-            </a:r>
-            <a:r>
-              <a:rPr lang="en-US" sz="1200" dirty="0" err="1">
+              <a:t>The total distance travelled by Yellow Cab is higher than Pink Cab</a:t>
+            </a:r>
+          </a:p>
+          <a:p>
+            <a:pPr>
+              <a:lnSpc>
+                <a:spcPct val="110000"/>
+              </a:lnSpc>
+              <a:buFont typeface="Arial" panose="020B0604020202020204" pitchFamily="34" charset="0"/>
+              <a:buChar char="•"/>
+            </a:pPr>
+            <a:r>
+              <a:rPr lang="en-US" sz="1200" dirty="0">
                 <a:solidFill>
                   <a:srgbClr val="000000"/>
                 </a:solidFill>
                 <a:latin typeface="Helvetica Neue"/>
               </a:rPr>
-              <a:t>CabThe</a:t>
-            </a:r>
-            <a:r>
-              <a:rPr lang="en-US" sz="1200" dirty="0">
-                <a:solidFill>
-                  <a:srgbClr val="000000"/>
-                </a:solidFill>
-                <a:latin typeface="Helvetica Neue"/>
-              </a:rPr>
-              <a:t> margin of the total travelled distance between two companies is somehow constant over the years</a:t>
+              <a:t>The margin of the total travelled distance between two companies is somehow constant over the years</a:t>
             </a:r>
           </a:p>
           <a:p>
@@ -9068,25 +8963,7 @@
                 </a:solidFill>
                 <a:latin typeface="Helvetica Neue"/>
               </a:rPr>
-              <a:t>In most cities specially ones that cover majority of Profit, Yellow Cab is </a:t>
-            </a:r>
-            <a:r>
-              <a:rPr lang="en-US" sz="1200" dirty="0" err="1">
-                <a:solidFill>
-                  <a:srgbClr val="000000"/>
-                </a:solidFill>
-                <a:latin typeface="Helvetica Neue"/>
-              </a:rPr>
-              <a:t>noticebly</a:t>
-            </a:r>
-            <a:r>
-              <a:rPr lang="en-US" sz="1200" dirty="0">
-                <a:solidFill>
-                  <a:srgbClr val="000000"/>
-                </a:solidFill>
-                <a:latin typeface="Helvetica Neue"/>
-              </a:rPr>
-              <a:t> earn much Profit than Pink Cab</a:t>
+              <a:t>In most cities specially ones that cover majority of Profit, Yellow Cab is noticeably earn much Profit than Pink Cab</a:t>
             </a:r>
           </a:p>
           <a:p>
